--- a/docs/Macroplanning.pptx
+++ b/docs/Macroplanning.pptx
@@ -197,7 +197,7 @@
           <a:p>
             <a:fld id="{026D158E-F7EA-41F4-9E1D-0D76F53AC7CC}" type="datetimeFigureOut">
               <a:rPr lang="fr-FR" smtClean="0"/>
-              <a:t>13/01/2025</a:t>
+              <a:t>14/01/2025</a:t>
             </a:fld>
             <a:endParaRPr lang="fr-FR"/>
           </a:p>
@@ -516,296 +516,12 @@
                 <a:spcPts val="800"/>
               </a:spcAft>
             </a:pPr>
-            <a:r>
-              <a:rPr lang="fr-FR" sz="1800" b="1" kern="100" dirty="0">
-                <a:effectLst/>
-                <a:latin typeface="Assistant" pitchFamily="2" charset="-79"/>
-                <a:ea typeface="MS Mincho" panose="02020609040205080304" pitchFamily="49" charset="-128"/>
-                <a:cs typeface="Assistant" pitchFamily="2" charset="-79"/>
-              </a:rPr>
-              <a:t>Responsable Support Process -&gt; </a:t>
-            </a:r>
-            <a:r>
-              <a:rPr lang="fr-FR" sz="1800" kern="100" dirty="0">
-                <a:effectLst/>
-                <a:latin typeface="Assistant" pitchFamily="2" charset="-79"/>
-                <a:ea typeface="MS Mincho" panose="02020609040205080304" pitchFamily="49" charset="-128"/>
-                <a:cs typeface="Assistant" pitchFamily="2" charset="-79"/>
-              </a:rPr>
-              <a:t>Responsable de la supervision et de la validation finale de la migration de l'application</a:t>
-            </a:r>
-          </a:p>
-          <a:p>
-            <a:pPr algn="l">
-              <a:lnSpc>
-                <a:spcPct val="107000"/>
-              </a:lnSpc>
-              <a:spcAft>
-                <a:spcPts val="800"/>
-              </a:spcAft>
-            </a:pPr>
             <a:endParaRPr lang="fr-FR" sz="1800" kern="100" dirty="0">
               <a:effectLst/>
               <a:latin typeface="Assistant" pitchFamily="2" charset="-79"/>
               <a:ea typeface="MS Mincho" panose="02020609040205080304" pitchFamily="49" charset="-128"/>
               <a:cs typeface="Assistant" pitchFamily="2" charset="-79"/>
             </a:endParaRPr>
-          </a:p>
-          <a:p>
-            <a:pPr algn="l">
-              <a:lnSpc>
-                <a:spcPct val="107000"/>
-              </a:lnSpc>
-              <a:spcAft>
-                <a:spcPts val="800"/>
-              </a:spcAft>
-            </a:pPr>
-            <a:r>
-              <a:rPr lang="fr-FR" sz="1800" b="1" kern="100" dirty="0">
-                <a:effectLst/>
-                <a:latin typeface="Assistant" pitchFamily="2" charset="-79"/>
-                <a:ea typeface="MS Mincho" panose="02020609040205080304" pitchFamily="49" charset="-128"/>
-                <a:cs typeface="Assistant" pitchFamily="2" charset="-79"/>
-              </a:rPr>
-              <a:t>Testeuse QA (</a:t>
-            </a:r>
-            <a:r>
-              <a:rPr lang="fr-FR" sz="1800" b="1" kern="100" dirty="0" err="1">
-                <a:effectLst/>
-                <a:latin typeface="Assistant" pitchFamily="2" charset="-79"/>
-                <a:ea typeface="MS Mincho" panose="02020609040205080304" pitchFamily="49" charset="-128"/>
-                <a:cs typeface="Assistant" pitchFamily="2" charset="-79"/>
-              </a:rPr>
-              <a:t>Quality</a:t>
-            </a:r>
-            <a:r>
-              <a:rPr lang="fr-FR" sz="1800" b="1" kern="100" dirty="0">
-                <a:effectLst/>
-                <a:latin typeface="Assistant" pitchFamily="2" charset="-79"/>
-                <a:ea typeface="MS Mincho" panose="02020609040205080304" pitchFamily="49" charset="-128"/>
-                <a:cs typeface="Assistant" pitchFamily="2" charset="-79"/>
-              </a:rPr>
-              <a:t> Assurance) -&gt; </a:t>
-            </a:r>
-            <a:r>
-              <a:rPr lang="fr-FR" sz="1800" kern="100" dirty="0">
-                <a:effectLst/>
-                <a:latin typeface="Assistant" pitchFamily="2" charset="-79"/>
-                <a:ea typeface="MS Mincho" panose="02020609040205080304" pitchFamily="49" charset="-128"/>
-                <a:cs typeface="Assistant" pitchFamily="2" charset="-79"/>
-              </a:rPr>
-              <a:t>Teste et valide les fonctionnalités de l’applications pour s'assurer qu'elles fonctionnent conformément aux exigences</a:t>
-            </a:r>
-          </a:p>
-          <a:p>
-            <a:pPr algn="l">
-              <a:lnSpc>
-                <a:spcPct val="107000"/>
-              </a:lnSpc>
-              <a:spcAft>
-                <a:spcPts val="800"/>
-              </a:spcAft>
-            </a:pPr>
-            <a:endParaRPr lang="fr-FR" sz="1800" kern="100" dirty="0">
-              <a:effectLst/>
-              <a:latin typeface="Assistant" pitchFamily="2" charset="-79"/>
-              <a:ea typeface="MS Mincho" panose="02020609040205080304" pitchFamily="49" charset="-128"/>
-              <a:cs typeface="Assistant" pitchFamily="2" charset="-79"/>
-            </a:endParaRPr>
-          </a:p>
-          <a:p>
-            <a:pPr marL="0" marR="0" lvl="0" indent="0" algn="l" defTabSz="914400" rtl="0" eaLnBrk="1" fontAlgn="auto" latinLnBrk="0" hangingPunct="1">
-              <a:lnSpc>
-                <a:spcPct val="107000"/>
-              </a:lnSpc>
-              <a:spcBef>
-                <a:spcPts val="0"/>
-              </a:spcBef>
-              <a:spcAft>
-                <a:spcPts val="800"/>
-              </a:spcAft>
-              <a:buClrTx/>
-              <a:buSzTx/>
-              <a:buFontTx/>
-              <a:buNone/>
-              <a:tabLst/>
-              <a:defRPr/>
-            </a:pPr>
-            <a:r>
-              <a:rPr lang="fr-FR" sz="1800" b="1" kern="100" dirty="0">
-                <a:effectLst/>
-                <a:latin typeface="Assistant" pitchFamily="2" charset="-79"/>
-                <a:ea typeface="MS Mincho" panose="02020609040205080304" pitchFamily="49" charset="-128"/>
-                <a:cs typeface="Assistant" pitchFamily="2" charset="-79"/>
-              </a:rPr>
-              <a:t>Co-fondateur de </a:t>
-            </a:r>
-            <a:r>
-              <a:rPr lang="fr-FR" sz="1800" b="1" kern="100" dirty="0" err="1">
-                <a:effectLst/>
-                <a:latin typeface="Assistant" pitchFamily="2" charset="-79"/>
-                <a:ea typeface="MS Mincho" panose="02020609040205080304" pitchFamily="49" charset="-128"/>
-                <a:cs typeface="Assistant" pitchFamily="2" charset="-79"/>
-              </a:rPr>
-              <a:t>Softyflow</a:t>
-            </a:r>
-            <a:r>
-              <a:rPr lang="fr-FR" sz="1800" b="1" kern="100" dirty="0">
-                <a:effectLst/>
-                <a:latin typeface="Assistant" pitchFamily="2" charset="-79"/>
-                <a:ea typeface="MS Mincho" panose="02020609040205080304" pitchFamily="49" charset="-128"/>
-                <a:cs typeface="Assistant" pitchFamily="2" charset="-79"/>
-              </a:rPr>
-              <a:t> -&gt;</a:t>
-            </a:r>
-            <a:r>
-              <a:rPr lang="fr-FR" sz="1800" kern="100" dirty="0">
-                <a:effectLst/>
-                <a:latin typeface="Assistant" pitchFamily="2" charset="-79"/>
-                <a:ea typeface="MS Mincho" panose="02020609040205080304" pitchFamily="49" charset="-128"/>
-                <a:cs typeface="Assistant" pitchFamily="2" charset="-79"/>
-              </a:rPr>
-              <a:t>Accompagne l’équipe de développeurs polyvalents tout au long de la migration</a:t>
-            </a:r>
-          </a:p>
-          <a:p>
-            <a:pPr algn="l">
-              <a:lnSpc>
-                <a:spcPct val="107000"/>
-              </a:lnSpc>
-              <a:spcAft>
-                <a:spcPts val="800"/>
-              </a:spcAft>
-            </a:pPr>
-            <a:endParaRPr lang="fr-FR" sz="1800" kern="100" dirty="0">
-              <a:effectLst/>
-              <a:latin typeface="Assistant" pitchFamily="2" charset="-79"/>
-              <a:ea typeface="MS Mincho" panose="02020609040205080304" pitchFamily="49" charset="-128"/>
-              <a:cs typeface="Assistant" pitchFamily="2" charset="-79"/>
-            </a:endParaRPr>
-          </a:p>
-          <a:p>
-            <a:pPr algn="l">
-              <a:lnSpc>
-                <a:spcPct val="107000"/>
-              </a:lnSpc>
-              <a:spcAft>
-                <a:spcPts val="800"/>
-              </a:spcAft>
-            </a:pPr>
-            <a:r>
-              <a:rPr lang="fr-FR" sz="1800" b="1" kern="100" dirty="0">
-                <a:effectLst/>
-                <a:latin typeface="Assistant" pitchFamily="2" charset="-79"/>
-                <a:ea typeface="MS Mincho" panose="02020609040205080304" pitchFamily="49" charset="-128"/>
-                <a:cs typeface="Assistant" pitchFamily="2" charset="-79"/>
-              </a:rPr>
-              <a:t>Consultante -&gt; </a:t>
-            </a:r>
-            <a:r>
-              <a:rPr lang="fr-FR" sz="1800" kern="100" dirty="0">
-                <a:effectLst/>
-                <a:latin typeface="Assistant" pitchFamily="2" charset="-79"/>
-                <a:ea typeface="MS Mincho" panose="02020609040205080304" pitchFamily="49" charset="-128"/>
-                <a:cs typeface="Assistant" pitchFamily="2" charset="-79"/>
-              </a:rPr>
-              <a:t>Contribue à la migration en prenant en charge certaines fonctionnalités de l'application</a:t>
-            </a:r>
-          </a:p>
-          <a:p>
-            <a:pPr algn="l">
-              <a:lnSpc>
-                <a:spcPct val="107000"/>
-              </a:lnSpc>
-              <a:spcAft>
-                <a:spcPts val="800"/>
-              </a:spcAft>
-            </a:pPr>
-            <a:endParaRPr lang="fr-FR" sz="1800" b="1" kern="100" dirty="0">
-              <a:effectLst/>
-              <a:latin typeface="Assistant" pitchFamily="2" charset="-79"/>
-              <a:ea typeface="MS Mincho" panose="02020609040205080304" pitchFamily="49" charset="-128"/>
-              <a:cs typeface="Assistant" pitchFamily="2" charset="-79"/>
-            </a:endParaRPr>
-          </a:p>
-          <a:p>
-            <a:pPr algn="l">
-              <a:lnSpc>
-                <a:spcPct val="107000"/>
-              </a:lnSpc>
-              <a:spcAft>
-                <a:spcPts val="800"/>
-              </a:spcAft>
-            </a:pPr>
-            <a:r>
-              <a:rPr lang="fr-FR" sz="1800" b="1" kern="100" dirty="0">
-                <a:effectLst/>
-                <a:latin typeface="Assistant" pitchFamily="2" charset="-79"/>
-                <a:ea typeface="MS Mincho" panose="02020609040205080304" pitchFamily="49" charset="-128"/>
-                <a:cs typeface="Assistant" pitchFamily="2" charset="-79"/>
-              </a:rPr>
-              <a:t>Développeurs Juniors -&gt;</a:t>
-            </a:r>
-            <a:r>
-              <a:rPr lang="fr-FR" sz="1800" kern="100" dirty="0">
-                <a:effectLst/>
-                <a:latin typeface="Assistant" pitchFamily="2" charset="-79"/>
-                <a:ea typeface="MS Mincho" panose="02020609040205080304" pitchFamily="49" charset="-128"/>
-                <a:cs typeface="Assistant" pitchFamily="2" charset="-79"/>
-              </a:rPr>
-              <a:t>Chargé de migrer l’appli</a:t>
-            </a:r>
-          </a:p>
-          <a:p>
-            <a:pPr algn="l">
-              <a:lnSpc>
-                <a:spcPct val="107000"/>
-              </a:lnSpc>
-              <a:spcAft>
-                <a:spcPts val="800"/>
-              </a:spcAft>
-            </a:pPr>
-            <a:endParaRPr lang="fr-FR" sz="1800" kern="100" dirty="0">
-              <a:effectLst/>
-              <a:latin typeface="Assistant" pitchFamily="2" charset="-79"/>
-              <a:ea typeface="MS Mincho" panose="02020609040205080304" pitchFamily="49" charset="-128"/>
-              <a:cs typeface="Assistant" pitchFamily="2" charset="-79"/>
-            </a:endParaRPr>
-          </a:p>
-          <a:p>
-            <a:pPr algn="l">
-              <a:lnSpc>
-                <a:spcPct val="107000"/>
-              </a:lnSpc>
-              <a:spcAft>
-                <a:spcPts val="800"/>
-              </a:spcAft>
-            </a:pPr>
-            <a:endParaRPr lang="fr-FR" sz="1800" kern="100" dirty="0">
-              <a:effectLst/>
-              <a:latin typeface="Assistant" pitchFamily="2" charset="-79"/>
-              <a:ea typeface="MS Mincho" panose="02020609040205080304" pitchFamily="49" charset="-128"/>
-              <a:cs typeface="Assistant" pitchFamily="2" charset="-79"/>
-            </a:endParaRPr>
-          </a:p>
-          <a:p>
-            <a:pPr algn="l">
-              <a:lnSpc>
-                <a:spcPct val="107000"/>
-              </a:lnSpc>
-              <a:spcAft>
-                <a:spcPts val="800"/>
-              </a:spcAft>
-            </a:pPr>
-            <a:r>
-              <a:rPr lang="fr-FR" sz="1800" kern="100" dirty="0">
-                <a:effectLst/>
-                <a:latin typeface="Assistant" pitchFamily="2" charset="-79"/>
-                <a:ea typeface="MS Mincho" panose="02020609040205080304" pitchFamily="49" charset="-128"/>
-                <a:cs typeface="Assistant" pitchFamily="2" charset="-79"/>
-              </a:rPr>
-              <a:t> </a:t>
-            </a:r>
           </a:p>
         </p:txBody>
       </p:sp>
@@ -992,7 +708,7 @@
           <a:p>
             <a:fld id="{2053CA7C-BDF9-4817-9F64-BE88E2FC8254}" type="datetimeFigureOut">
               <a:rPr lang="fr-FR" smtClean="0"/>
-              <a:t>13/01/2025</a:t>
+              <a:t>14/01/2025</a:t>
             </a:fld>
             <a:endParaRPr lang="fr-FR"/>
           </a:p>
@@ -1190,7 +906,7 @@
           <a:p>
             <a:fld id="{2053CA7C-BDF9-4817-9F64-BE88E2FC8254}" type="datetimeFigureOut">
               <a:rPr lang="fr-FR" smtClean="0"/>
-              <a:t>13/01/2025</a:t>
+              <a:t>14/01/2025</a:t>
             </a:fld>
             <a:endParaRPr lang="fr-FR"/>
           </a:p>
@@ -1398,7 +1114,7 @@
           <a:p>
             <a:fld id="{2053CA7C-BDF9-4817-9F64-BE88E2FC8254}" type="datetimeFigureOut">
               <a:rPr lang="fr-FR" smtClean="0"/>
-              <a:t>13/01/2025</a:t>
+              <a:t>14/01/2025</a:t>
             </a:fld>
             <a:endParaRPr lang="fr-FR"/>
           </a:p>
@@ -1732,7 +1448,7 @@
           <a:p>
             <a:fld id="{2053CA7C-BDF9-4817-9F64-BE88E2FC8254}" type="datetimeFigureOut">
               <a:rPr lang="fr-FR" smtClean="0"/>
-              <a:t>13/01/2025</a:t>
+              <a:t>14/01/2025</a:t>
             </a:fld>
             <a:endParaRPr lang="fr-FR"/>
           </a:p>
@@ -2007,7 +1723,7 @@
           <a:p>
             <a:fld id="{2053CA7C-BDF9-4817-9F64-BE88E2FC8254}" type="datetimeFigureOut">
               <a:rPr lang="fr-FR" smtClean="0"/>
-              <a:t>13/01/2025</a:t>
+              <a:t>14/01/2025</a:t>
             </a:fld>
             <a:endParaRPr lang="fr-FR"/>
           </a:p>
@@ -2272,7 +1988,7 @@
           <a:p>
             <a:fld id="{2053CA7C-BDF9-4817-9F64-BE88E2FC8254}" type="datetimeFigureOut">
               <a:rPr lang="fr-FR" smtClean="0"/>
-              <a:t>13/01/2025</a:t>
+              <a:t>14/01/2025</a:t>
             </a:fld>
             <a:endParaRPr lang="fr-FR"/>
           </a:p>
@@ -2684,7 +2400,7 @@
           <a:p>
             <a:fld id="{2053CA7C-BDF9-4817-9F64-BE88E2FC8254}" type="datetimeFigureOut">
               <a:rPr lang="fr-FR" smtClean="0"/>
-              <a:t>13/01/2025</a:t>
+              <a:t>14/01/2025</a:t>
             </a:fld>
             <a:endParaRPr lang="fr-FR"/>
           </a:p>
@@ -2825,7 +2541,7 @@
           <a:p>
             <a:fld id="{2053CA7C-BDF9-4817-9F64-BE88E2FC8254}" type="datetimeFigureOut">
               <a:rPr lang="fr-FR" smtClean="0"/>
-              <a:t>13/01/2025</a:t>
+              <a:t>14/01/2025</a:t>
             </a:fld>
             <a:endParaRPr lang="fr-FR"/>
           </a:p>
@@ -2938,7 +2654,7 @@
           <a:p>
             <a:fld id="{2053CA7C-BDF9-4817-9F64-BE88E2FC8254}" type="datetimeFigureOut">
               <a:rPr lang="fr-FR" smtClean="0"/>
-              <a:t>13/01/2025</a:t>
+              <a:t>14/01/2025</a:t>
             </a:fld>
             <a:endParaRPr lang="fr-FR"/>
           </a:p>
@@ -3249,7 +2965,7 @@
           <a:p>
             <a:fld id="{2053CA7C-BDF9-4817-9F64-BE88E2FC8254}" type="datetimeFigureOut">
               <a:rPr lang="fr-FR" smtClean="0"/>
-              <a:t>13/01/2025</a:t>
+              <a:t>14/01/2025</a:t>
             </a:fld>
             <a:endParaRPr lang="fr-FR"/>
           </a:p>
@@ -3537,7 +3253,7 @@
           <a:p>
             <a:fld id="{2053CA7C-BDF9-4817-9F64-BE88E2FC8254}" type="datetimeFigureOut">
               <a:rPr lang="fr-FR" smtClean="0"/>
-              <a:t>13/01/2025</a:t>
+              <a:t>14/01/2025</a:t>
             </a:fld>
             <a:endParaRPr lang="fr-FR"/>
           </a:p>
@@ -3778,7 +3494,7 @@
           <a:p>
             <a:fld id="{2053CA7C-BDF9-4817-9F64-BE88E2FC8254}" type="datetimeFigureOut">
               <a:rPr lang="fr-FR" smtClean="0"/>
-              <a:t>13/01/2025</a:t>
+              <a:t>14/01/2025</a:t>
             </a:fld>
             <a:endParaRPr lang="fr-FR"/>
           </a:p>
@@ -4267,7 +3983,7 @@
         </p:nvSpPr>
         <p:spPr>
           <a:xfrm>
-            <a:off x="600300" y="2712721"/>
+            <a:off x="246697" y="2701697"/>
             <a:ext cx="2034531" cy="461665"/>
           </a:xfrm>
           <a:prstGeom prst="rect">
@@ -4315,7 +4031,7 @@
         </p:nvSpPr>
         <p:spPr>
           <a:xfrm>
-            <a:off x="3673436" y="2749802"/>
+            <a:off x="3153916" y="2697733"/>
             <a:ext cx="2034531" cy="461665"/>
           </a:xfrm>
           <a:prstGeom prst="rect">
@@ -4363,7 +4079,7 @@
         </p:nvSpPr>
         <p:spPr>
           <a:xfrm>
-            <a:off x="6517532" y="2712721"/>
+            <a:off x="6173965" y="2701696"/>
             <a:ext cx="2199641" cy="461665"/>
           </a:xfrm>
           <a:prstGeom prst="rect">
@@ -4413,8 +4129,8 @@
         </p:nvSpPr>
         <p:spPr bwMode="auto">
           <a:xfrm>
-            <a:off x="350532" y="3383078"/>
-            <a:ext cx="3176069" cy="646331"/>
+            <a:off x="-3070" y="3372054"/>
+            <a:ext cx="2856518" cy="646331"/>
           </a:xfrm>
           <a:prstGeom prst="rect">
             <a:avLst/>
@@ -4582,7 +4298,7 @@
         </p:nvCxnSpPr>
         <p:spPr>
           <a:xfrm>
-            <a:off x="3142685" y="583660"/>
+            <a:off x="11456837" y="557833"/>
             <a:ext cx="0" cy="2286863"/>
           </a:xfrm>
           <a:prstGeom prst="line">
@@ -4628,7 +4344,7 @@
         </p:nvCxnSpPr>
         <p:spPr>
           <a:xfrm>
-            <a:off x="6300709" y="557320"/>
+            <a:off x="5976454" y="537523"/>
             <a:ext cx="0" cy="2286863"/>
           </a:xfrm>
           <a:prstGeom prst="line">
@@ -4672,8 +4388,8 @@
         </p:nvSpPr>
         <p:spPr>
           <a:xfrm>
-            <a:off x="1978584" y="287359"/>
-            <a:ext cx="2328201" cy="276999"/>
+            <a:off x="10791877" y="280834"/>
+            <a:ext cx="1354345" cy="276999"/>
           </a:xfrm>
           <a:prstGeom prst="rect">
             <a:avLst/>
@@ -4694,7 +4410,7 @@
                   </a:schemeClr>
                 </a:solidFill>
               </a:rPr>
-              <a:t>Soutenance orale de 20 minutes</a:t>
+              <a:t>Soutenance orale</a:t>
             </a:r>
             <a:endParaRPr lang="fr-FR" sz="1050" dirty="0">
               <a:solidFill>
@@ -4720,8 +4436,8 @@
         </p:nvSpPr>
         <p:spPr>
           <a:xfrm>
-            <a:off x="5136608" y="281329"/>
-            <a:ext cx="2328201" cy="276999"/>
+            <a:off x="5299281" y="242583"/>
+            <a:ext cx="1354345" cy="276999"/>
           </a:xfrm>
           <a:prstGeom prst="rect">
             <a:avLst/>
@@ -4742,7 +4458,7 @@
                   </a:schemeClr>
                 </a:solidFill>
               </a:rPr>
-              <a:t>Soutenance orale de 20 minutes</a:t>
+              <a:t>Soutenance orale</a:t>
             </a:r>
             <a:endParaRPr lang="fr-FR" sz="1050" dirty="0">
               <a:solidFill>
@@ -4782,7 +4498,7 @@
         </p:blipFill>
         <p:spPr>
           <a:xfrm>
-            <a:off x="40064" y="5195487"/>
+            <a:off x="40064" y="5279792"/>
             <a:ext cx="646331" cy="646331"/>
           </a:xfrm>
           <a:prstGeom prst="rect">
@@ -4804,7 +4520,7 @@
         </p:nvSpPr>
         <p:spPr>
           <a:xfrm>
-            <a:off x="744409" y="5156004"/>
+            <a:off x="744409" y="5240309"/>
             <a:ext cx="1746312" cy="584775"/>
           </a:xfrm>
           <a:prstGeom prst="rect">
@@ -4871,7 +4587,7 @@
         </p:blipFill>
         <p:spPr>
           <a:xfrm>
-            <a:off x="3230309" y="5149307"/>
+            <a:off x="2815264" y="5233612"/>
             <a:ext cx="646331" cy="646331"/>
           </a:xfrm>
           <a:prstGeom prst="rect">
@@ -4893,106 +4609,8 @@
         </p:nvSpPr>
         <p:spPr>
           <a:xfrm>
-            <a:off x="3927890" y="5135684"/>
-            <a:ext cx="2261645" cy="861774"/>
-          </a:xfrm>
-          <a:prstGeom prst="rect">
-            <a:avLst/>
-          </a:prstGeom>
-          <a:noFill/>
-        </p:spPr>
-        <p:txBody>
-          <a:bodyPr wrap="none" rtlCol="0">
-            <a:spAutoFit/>
-          </a:bodyPr>
-          <a:lstStyle/>
-          <a:p>
-            <a:r>
-              <a:rPr lang="fr-FR" u="sng" dirty="0">
-                <a:solidFill>
-                  <a:schemeClr val="accent6">
-                    <a:lumMod val="50000"/>
-                  </a:schemeClr>
-                </a:solidFill>
-              </a:rPr>
-              <a:t>Livrable :</a:t>
-            </a:r>
-          </a:p>
-          <a:p>
-            <a:r>
-              <a:rPr lang="fr-FR" sz="1400" b="1" dirty="0">
-                <a:solidFill>
-                  <a:schemeClr val="accent6">
-                    <a:lumMod val="50000"/>
-                  </a:schemeClr>
-                </a:solidFill>
-              </a:rPr>
-              <a:t>Diagrammes UML et MCD</a:t>
-            </a:r>
-          </a:p>
-          <a:p>
-            <a:endParaRPr lang="fr-FR" b="1" dirty="0">
-              <a:solidFill>
-                <a:schemeClr val="accent6">
-                  <a:lumMod val="50000"/>
-                </a:schemeClr>
-              </a:solidFill>
-            </a:endParaRPr>
-          </a:p>
-        </p:txBody>
-      </p:sp>
-      <p:pic>
-        <p:nvPicPr>
-          <p:cNvPr id="24" name="Graphique 23" descr="Boîte contour">
-            <a:extLst>
-              <a:ext uri="{FF2B5EF4-FFF2-40B4-BE49-F238E27FC236}">
-                <a16:creationId xmlns:a16="http://schemas.microsoft.com/office/drawing/2014/main" id="{DB7BF4C3-1C21-F443-C505-7B93B7F4CE68}"/>
-              </a:ext>
-            </a:extLst>
-          </p:cNvPr>
-          <p:cNvPicPr>
-            <a:picLocks noChangeAspect="1"/>
-          </p:cNvPicPr>
-          <p:nvPr/>
-        </p:nvPicPr>
-        <p:blipFill>
-          <a:blip r:embed="rId3">
-            <a:extLst>
-              <a:ext uri="{96DAC541-7B7A-43D3-8B79-37D633B846F1}">
-                <asvg:svgBlip xmlns:asvg="http://schemas.microsoft.com/office/drawing/2016/SVG/main" r:embed="rId4"/>
-              </a:ext>
-            </a:extLst>
-          </a:blip>
-          <a:stretch>
-            <a:fillRect/>
-          </a:stretch>
-        </p:blipFill>
-        <p:spPr>
-          <a:xfrm>
-            <a:off x="6175805" y="5084438"/>
-            <a:ext cx="646331" cy="646331"/>
-          </a:xfrm>
-          <a:prstGeom prst="rect">
-            <a:avLst/>
-          </a:prstGeom>
-        </p:spPr>
-      </p:pic>
-      <p:sp>
-        <p:nvSpPr>
-          <p:cNvPr id="25" name="ZoneTexte 24">
-            <a:extLst>
-              <a:ext uri="{FF2B5EF4-FFF2-40B4-BE49-F238E27FC236}">
-                <a16:creationId xmlns:a16="http://schemas.microsoft.com/office/drawing/2014/main" id="{6BF0368E-4B42-3E53-3C91-7131180BE10C}"/>
-              </a:ext>
-            </a:extLst>
-          </p:cNvPr>
-          <p:cNvSpPr txBox="1"/>
-          <p:nvPr/>
-        </p:nvSpPr>
-        <p:spPr>
-          <a:xfrm>
-            <a:off x="6822136" y="5084438"/>
-            <a:ext cx="2182200" cy="1015663"/>
+            <a:off x="3512845" y="5219989"/>
+            <a:ext cx="2887329" cy="1292662"/>
           </a:xfrm>
           <a:prstGeom prst="rect">
             <a:avLst/>
@@ -5025,6 +4643,128 @@
                   </a:schemeClr>
                 </a:solidFill>
               </a:rPr>
+              <a:t>Diagrammes de classes</a:t>
+            </a:r>
+          </a:p>
+          <a:p>
+            <a:r>
+              <a:rPr lang="fr-FR" sz="1400" b="1" dirty="0">
+                <a:solidFill>
+                  <a:schemeClr val="accent6">
+                    <a:lumMod val="50000"/>
+                  </a:schemeClr>
+                </a:solidFill>
+              </a:rPr>
+              <a:t>Diagramme de cas d’utilisation</a:t>
+            </a:r>
+          </a:p>
+          <a:p>
+            <a:r>
+              <a:rPr lang="fr-FR" sz="1400" b="1" dirty="0">
+                <a:solidFill>
+                  <a:schemeClr val="accent6">
+                    <a:lumMod val="50000"/>
+                  </a:schemeClr>
+                </a:solidFill>
+              </a:rPr>
+              <a:t>Modèle Conceptuel des Données</a:t>
+            </a:r>
+          </a:p>
+          <a:p>
+            <a:endParaRPr lang="fr-FR" b="1" dirty="0">
+              <a:solidFill>
+                <a:schemeClr val="accent6">
+                  <a:lumMod val="50000"/>
+                </a:schemeClr>
+              </a:solidFill>
+            </a:endParaRPr>
+          </a:p>
+        </p:txBody>
+      </p:sp>
+      <p:pic>
+        <p:nvPicPr>
+          <p:cNvPr id="24" name="Graphique 23" descr="Boîte contour">
+            <a:extLst>
+              <a:ext uri="{FF2B5EF4-FFF2-40B4-BE49-F238E27FC236}">
+                <a16:creationId xmlns:a16="http://schemas.microsoft.com/office/drawing/2014/main" id="{DB7BF4C3-1C21-F443-C505-7B93B7F4CE68}"/>
+              </a:ext>
+            </a:extLst>
+          </p:cNvPr>
+          <p:cNvPicPr>
+            <a:picLocks noChangeAspect="1"/>
+          </p:cNvPicPr>
+          <p:nvPr/>
+        </p:nvPicPr>
+        <p:blipFill>
+          <a:blip r:embed="rId3">
+            <a:extLst>
+              <a:ext uri="{96DAC541-7B7A-43D3-8B79-37D633B846F1}">
+                <asvg:svgBlip xmlns:asvg="http://schemas.microsoft.com/office/drawing/2016/SVG/main" r:embed="rId4"/>
+              </a:ext>
+            </a:extLst>
+          </a:blip>
+          <a:stretch>
+            <a:fillRect/>
+          </a:stretch>
+        </p:blipFill>
+        <p:spPr>
+          <a:xfrm>
+            <a:off x="6175805" y="5168743"/>
+            <a:ext cx="646331" cy="646331"/>
+          </a:xfrm>
+          <a:prstGeom prst="rect">
+            <a:avLst/>
+          </a:prstGeom>
+        </p:spPr>
+      </p:pic>
+      <p:sp>
+        <p:nvSpPr>
+          <p:cNvPr id="25" name="ZoneTexte 24">
+            <a:extLst>
+              <a:ext uri="{FF2B5EF4-FFF2-40B4-BE49-F238E27FC236}">
+                <a16:creationId xmlns:a16="http://schemas.microsoft.com/office/drawing/2014/main" id="{6BF0368E-4B42-3E53-3C91-7131180BE10C}"/>
+              </a:ext>
+            </a:extLst>
+          </p:cNvPr>
+          <p:cNvSpPr txBox="1"/>
+          <p:nvPr/>
+        </p:nvSpPr>
+        <p:spPr>
+          <a:xfrm>
+            <a:off x="6822136" y="5168743"/>
+            <a:ext cx="2182200" cy="1015663"/>
+          </a:xfrm>
+          <a:prstGeom prst="rect">
+            <a:avLst/>
+          </a:prstGeom>
+          <a:noFill/>
+        </p:spPr>
+        <p:txBody>
+          <a:bodyPr wrap="none" rtlCol="0">
+            <a:spAutoFit/>
+          </a:bodyPr>
+          <a:lstStyle/>
+          <a:p>
+            <a:r>
+              <a:rPr lang="fr-FR" u="sng" dirty="0">
+                <a:solidFill>
+                  <a:schemeClr val="accent6">
+                    <a:lumMod val="50000"/>
+                  </a:schemeClr>
+                </a:solidFill>
+              </a:rPr>
+              <a:t>Livrables :</a:t>
+            </a:r>
+          </a:p>
+          <a:p>
+            <a:r>
+              <a:rPr lang="fr-FR" sz="1400" b="1" dirty="0">
+                <a:solidFill>
+                  <a:schemeClr val="accent6">
+                    <a:lumMod val="50000"/>
+                  </a:schemeClr>
+                </a:solidFill>
+              </a:rPr>
               <a:t>Application (Re)Sources </a:t>
             </a:r>
           </a:p>
@@ -5070,7 +4810,7 @@
         </p:nvSpPr>
         <p:spPr bwMode="auto">
           <a:xfrm>
-            <a:off x="3417613" y="3477320"/>
+            <a:off x="3091781" y="3338676"/>
             <a:ext cx="2975692" cy="830997"/>
           </a:xfrm>
           <a:prstGeom prst="rect">
@@ -5202,7 +4942,7 @@
         </p:nvCxnSpPr>
         <p:spPr>
           <a:xfrm>
-            <a:off x="9105936" y="538531"/>
+            <a:off x="8726543" y="537523"/>
             <a:ext cx="0" cy="2286863"/>
           </a:xfrm>
           <a:prstGeom prst="line">
@@ -5246,8 +4986,8 @@
         </p:nvSpPr>
         <p:spPr>
           <a:xfrm>
-            <a:off x="7941835" y="262540"/>
-            <a:ext cx="2328201" cy="276999"/>
+            <a:off x="8045579" y="272361"/>
+            <a:ext cx="1354345" cy="276999"/>
           </a:xfrm>
           <a:prstGeom prst="rect">
             <a:avLst/>
@@ -5268,7 +5008,7 @@
                   </a:schemeClr>
                 </a:solidFill>
               </a:rPr>
-              <a:t>Soutenance orale de 20 minutes</a:t>
+              <a:t>Soutenance orale</a:t>
             </a:r>
             <a:endParaRPr lang="fr-FR" sz="1050" dirty="0">
               <a:solidFill>
@@ -5296,370 +5036,7 @@
         </p:nvSpPr>
         <p:spPr bwMode="auto">
           <a:xfrm>
-            <a:off x="6393305" y="3296474"/>
-            <a:ext cx="2089823" cy="1200329"/>
-          </a:xfrm>
-          <a:prstGeom prst="rect">
-            <a:avLst/>
-          </a:prstGeom>
-          <a:noFill/>
-          <a:ln>
-            <a:noFill/>
-          </a:ln>
-          <a:effectLst/>
-          <a:extLst>
-            <a:ext uri="{909E8E84-426E-40DD-AFC4-6F175D3DCCD1}">
-              <a14:hiddenFill xmlns:a14="http://schemas.microsoft.com/office/drawing/2010/main">
-                <a:solidFill>
-                  <a:schemeClr val="accent1"/>
-                </a:solidFill>
-              </a14:hiddenFill>
-            </a:ext>
-            <a:ext uri="{91240B29-F687-4F45-9708-019B960494DF}">
-              <a14:hiddenLine xmlns:a14="http://schemas.microsoft.com/office/drawing/2010/main" w="9525">
-                <a:solidFill>
-                  <a:schemeClr val="tx1"/>
-                </a:solidFill>
-                <a:miter lim="800000"/>
-                <a:headEnd/>
-                <a:tailEnd/>
-              </a14:hiddenLine>
-            </a:ext>
-            <a:ext uri="{AF507438-7753-43E0-B8FC-AC1667EBCBE1}">
-              <a14:hiddenEffects xmlns:a14="http://schemas.microsoft.com/office/drawing/2010/main">
-                <a:effectLst>
-                  <a:outerShdw dist="35921" dir="2700000" algn="ctr" rotWithShape="0">
-                    <a:schemeClr val="bg2"/>
-                  </a:outerShdw>
-                </a:effectLst>
-              </a14:hiddenEffects>
-            </a:ext>
-          </a:extLst>
-        </p:spPr>
-        <p:txBody>
-          <a:bodyPr vert="horz" wrap="square" lIns="91440" tIns="45720" rIns="91440" bIns="45720" numCol="1" anchor="ctr" anchorCtr="0" compatLnSpc="1">
-            <a:prstTxWarp prst="textNoShape">
-              <a:avLst/>
-            </a:prstTxWarp>
-            <a:spAutoFit/>
-          </a:bodyPr>
-          <a:lstStyle/>
-          <a:p>
-            <a:pPr marL="171450" indent="-171450" eaLnBrk="0" fontAlgn="base" hangingPunct="0">
-              <a:spcBef>
-                <a:spcPct val="0"/>
-              </a:spcBef>
-              <a:spcAft>
-                <a:spcPct val="0"/>
-              </a:spcAft>
-              <a:buFont typeface="Arial" panose="020B0604020202020204" pitchFamily="34" charset="0"/>
-              <a:buChar char="•"/>
-            </a:pPr>
-            <a:r>
-              <a:rPr lang="fr-FR" sz="1200" dirty="0">
-                <a:solidFill>
-                  <a:schemeClr val="accent6">
-                    <a:lumMod val="50000"/>
-                  </a:schemeClr>
-                </a:solidFill>
-                <a:latin typeface="Arial" panose="020B0604020202020204" pitchFamily="34" charset="0"/>
-              </a:rPr>
-              <a:t>Développement des modules : </a:t>
-            </a:r>
-            <a:r>
-              <a:rPr lang="fr-FR" altLang="fr-FR" sz="1200" dirty="0">
-                <a:solidFill>
-                  <a:schemeClr val="accent6">
-                    <a:lumMod val="50000"/>
-                  </a:schemeClr>
-                </a:solidFill>
-                <a:latin typeface="Arial" panose="020B0604020202020204" pitchFamily="34" charset="0"/>
-              </a:rPr>
-              <a:t>Utilisateur, Ressource,  Progression, etc.</a:t>
-            </a:r>
-          </a:p>
-          <a:p>
-            <a:pPr marL="628650" lvl="1" indent="-171450" eaLnBrk="0" fontAlgn="base" hangingPunct="0">
-              <a:spcBef>
-                <a:spcPct val="0"/>
-              </a:spcBef>
-              <a:spcAft>
-                <a:spcPct val="0"/>
-              </a:spcAft>
-              <a:buFont typeface="Arial" panose="020B0604020202020204" pitchFamily="34" charset="0"/>
-              <a:buChar char="•"/>
-            </a:pPr>
-            <a:endParaRPr lang="fr-FR" altLang="fr-FR" sz="1200" dirty="0">
-              <a:solidFill>
-                <a:schemeClr val="accent6">
-                  <a:lumMod val="50000"/>
-                </a:schemeClr>
-              </a:solidFill>
-              <a:latin typeface="Arial" panose="020B0604020202020204" pitchFamily="34" charset="0"/>
-            </a:endParaRPr>
-          </a:p>
-          <a:p>
-            <a:pPr marL="171450" indent="-171450" eaLnBrk="0" fontAlgn="base" hangingPunct="0">
-              <a:spcBef>
-                <a:spcPct val="0"/>
-              </a:spcBef>
-              <a:spcAft>
-                <a:spcPct val="0"/>
-              </a:spcAft>
-              <a:buFont typeface="Arial" panose="020B0604020202020204" pitchFamily="34" charset="0"/>
-              <a:buChar char="•"/>
-            </a:pPr>
-            <a:r>
-              <a:rPr lang="fr-FR" altLang="fr-FR" sz="1200" dirty="0">
-                <a:solidFill>
-                  <a:schemeClr val="accent6">
-                    <a:lumMod val="50000"/>
-                  </a:schemeClr>
-                </a:solidFill>
-                <a:latin typeface="Arial" panose="020B0604020202020204" pitchFamily="34" charset="0"/>
-              </a:rPr>
-              <a:t>Recette de l’application</a:t>
-            </a:r>
-          </a:p>
-        </p:txBody>
-      </p:sp>
-      <p:sp>
-        <p:nvSpPr>
-          <p:cNvPr id="2" name="Flèche : droite 1">
-            <a:extLst>
-              <a:ext uri="{FF2B5EF4-FFF2-40B4-BE49-F238E27FC236}">
-                <a16:creationId xmlns:a16="http://schemas.microsoft.com/office/drawing/2014/main" id="{4BC5E67B-000E-FEC0-C5A8-3B527D849C80}"/>
-              </a:ext>
-            </a:extLst>
-          </p:cNvPr>
-          <p:cNvSpPr/>
-          <p:nvPr/>
-        </p:nvSpPr>
-        <p:spPr>
-          <a:xfrm>
-            <a:off x="3800142" y="905302"/>
-            <a:ext cx="1869548" cy="1441656"/>
-          </a:xfrm>
-          <a:prstGeom prst="rightArrow">
-            <a:avLst/>
-          </a:prstGeom>
-          <a:solidFill>
-            <a:schemeClr val="accent6">
-              <a:lumMod val="75000"/>
-            </a:schemeClr>
-          </a:solidFill>
-          <a:ln>
-            <a:noFill/>
-          </a:ln>
-        </p:spPr>
-        <p:style>
-          <a:lnRef idx="2">
-            <a:schemeClr val="accent1">
-              <a:shade val="15000"/>
-            </a:schemeClr>
-          </a:lnRef>
-          <a:fillRef idx="1">
-            <a:schemeClr val="accent1"/>
-          </a:fillRef>
-          <a:effectRef idx="0">
-            <a:schemeClr val="accent1"/>
-          </a:effectRef>
-          <a:fontRef idx="minor">
-            <a:schemeClr val="lt1"/>
-          </a:fontRef>
-        </p:style>
-        <p:txBody>
-          <a:bodyPr rtlCol="0" anchor="ctr"/>
-          <a:lstStyle/>
-          <a:p>
-            <a:pPr algn="ctr"/>
-            <a:r>
-              <a:rPr lang="fr-FR" sz="1400" dirty="0"/>
-              <a:t>Conception</a:t>
-            </a:r>
-            <a:endParaRPr lang="fr-FR" sz="2000" dirty="0"/>
-          </a:p>
-        </p:txBody>
-      </p:sp>
-      <p:sp>
-        <p:nvSpPr>
-          <p:cNvPr id="3" name="Flèche : droite 2">
-            <a:extLst>
-              <a:ext uri="{FF2B5EF4-FFF2-40B4-BE49-F238E27FC236}">
-                <a16:creationId xmlns:a16="http://schemas.microsoft.com/office/drawing/2014/main" id="{C0F5EDEA-446A-8040-447D-E8DE97395CEF}"/>
-              </a:ext>
-            </a:extLst>
-          </p:cNvPr>
-          <p:cNvSpPr/>
-          <p:nvPr/>
-        </p:nvSpPr>
-        <p:spPr>
-          <a:xfrm>
-            <a:off x="6704362" y="905302"/>
-            <a:ext cx="1869548" cy="1441656"/>
-          </a:xfrm>
-          <a:prstGeom prst="rightArrow">
-            <a:avLst/>
-          </a:prstGeom>
-          <a:solidFill>
-            <a:schemeClr val="accent6">
-              <a:lumMod val="75000"/>
-            </a:schemeClr>
-          </a:solidFill>
-          <a:ln>
-            <a:noFill/>
-          </a:ln>
-        </p:spPr>
-        <p:style>
-          <a:lnRef idx="2">
-            <a:schemeClr val="accent1">
-              <a:shade val="15000"/>
-            </a:schemeClr>
-          </a:lnRef>
-          <a:fillRef idx="1">
-            <a:schemeClr val="accent1"/>
-          </a:fillRef>
-          <a:effectRef idx="0">
-            <a:schemeClr val="accent1"/>
-          </a:effectRef>
-          <a:fontRef idx="minor">
-            <a:schemeClr val="lt1"/>
-          </a:fontRef>
-        </p:style>
-        <p:txBody>
-          <a:bodyPr rtlCol="0" anchor="ctr"/>
-          <a:lstStyle/>
-          <a:p>
-            <a:pPr algn="ctr"/>
-            <a:r>
-              <a:rPr lang="fr-FR" sz="1400" dirty="0"/>
-              <a:t>Développement et Recette</a:t>
-            </a:r>
-          </a:p>
-        </p:txBody>
-      </p:sp>
-      <p:sp>
-        <p:nvSpPr>
-          <p:cNvPr id="5" name="ZoneTexte 4">
-            <a:extLst>
-              <a:ext uri="{FF2B5EF4-FFF2-40B4-BE49-F238E27FC236}">
-                <a16:creationId xmlns:a16="http://schemas.microsoft.com/office/drawing/2014/main" id="{819F5AF0-CF8E-2BCD-2914-BC8E67781967}"/>
-              </a:ext>
-            </a:extLst>
-          </p:cNvPr>
-          <p:cNvSpPr txBox="1"/>
-          <p:nvPr/>
-        </p:nvSpPr>
-        <p:spPr>
-          <a:xfrm>
-            <a:off x="9148432" y="2712721"/>
-            <a:ext cx="2704587" cy="461665"/>
-          </a:xfrm>
-          <a:prstGeom prst="rect">
-            <a:avLst/>
-          </a:prstGeom>
-          <a:noFill/>
-        </p:spPr>
-        <p:txBody>
-          <a:bodyPr wrap="none" rtlCol="0">
-            <a:spAutoFit/>
-          </a:bodyPr>
-          <a:lstStyle/>
-          <a:p>
-            <a:r>
-              <a:rPr lang="fr-FR" sz="2400" dirty="0">
-                <a:solidFill>
-                  <a:schemeClr val="accent6">
-                    <a:lumMod val="50000"/>
-                  </a:schemeClr>
-                </a:solidFill>
-              </a:rPr>
-              <a:t>Semaine 42 à 47….</a:t>
-            </a:r>
-            <a:endParaRPr lang="fr-FR" dirty="0">
-              <a:solidFill>
-                <a:schemeClr val="accent6">
-                  <a:lumMod val="50000"/>
-                </a:schemeClr>
-              </a:solidFill>
-            </a:endParaRPr>
-          </a:p>
-        </p:txBody>
-      </p:sp>
-      <p:sp>
-        <p:nvSpPr>
-          <p:cNvPr id="6" name="Flèche : droite 5">
-            <a:extLst>
-              <a:ext uri="{FF2B5EF4-FFF2-40B4-BE49-F238E27FC236}">
-                <a16:creationId xmlns:a16="http://schemas.microsoft.com/office/drawing/2014/main" id="{57721A52-47AB-A8F5-4781-AB91DDF03B45}"/>
-              </a:ext>
-            </a:extLst>
-          </p:cNvPr>
-          <p:cNvSpPr/>
-          <p:nvPr/>
-        </p:nvSpPr>
-        <p:spPr>
-          <a:xfrm>
-            <a:off x="9335262" y="905302"/>
-            <a:ext cx="1869548" cy="1441656"/>
-          </a:xfrm>
-          <a:prstGeom prst="rightArrow">
-            <a:avLst/>
-          </a:prstGeom>
-          <a:solidFill>
-            <a:schemeClr val="accent6">
-              <a:lumMod val="75000"/>
-            </a:schemeClr>
-          </a:solidFill>
-          <a:ln>
-            <a:noFill/>
-          </a:ln>
-        </p:spPr>
-        <p:style>
-          <a:lnRef idx="2">
-            <a:schemeClr val="accent1">
-              <a:shade val="15000"/>
-            </a:schemeClr>
-          </a:lnRef>
-          <a:fillRef idx="1">
-            <a:schemeClr val="accent1"/>
-          </a:fillRef>
-          <a:effectRef idx="0">
-            <a:schemeClr val="accent1"/>
-          </a:effectRef>
-          <a:fontRef idx="minor">
-            <a:schemeClr val="lt1"/>
-          </a:fontRef>
-        </p:style>
-        <p:txBody>
-          <a:bodyPr rtlCol="0" anchor="ctr"/>
-          <a:lstStyle/>
-          <a:p>
-            <a:pPr algn="ctr"/>
-            <a:r>
-              <a:rPr lang="fr-FR" sz="1400" dirty="0"/>
-              <a:t>Déploiement et maintenance</a:t>
-            </a:r>
-          </a:p>
-        </p:txBody>
-      </p:sp>
-      <p:sp>
-        <p:nvSpPr>
-          <p:cNvPr id="9" name="Rectangle 5">
-            <a:extLst>
-              <a:ext uri="{FF2B5EF4-FFF2-40B4-BE49-F238E27FC236}">
-                <a16:creationId xmlns:a16="http://schemas.microsoft.com/office/drawing/2014/main" id="{5FFB7825-10E3-8191-E19B-88241B5138CA}"/>
-              </a:ext>
-            </a:extLst>
-          </p:cNvPr>
-          <p:cNvSpPr>
-            <a:spLocks noChangeArrowheads="1"/>
-          </p:cNvSpPr>
-          <p:nvPr/>
-        </p:nvSpPr>
-        <p:spPr bwMode="auto">
-          <a:xfrm>
-            <a:off x="9165227" y="3296474"/>
+            <a:off x="6124529" y="3345756"/>
             <a:ext cx="2089823" cy="1754326"/>
           </a:xfrm>
           <a:prstGeom prst="rect">
@@ -5727,7 +5104,61 @@
                 </a:solidFill>
                 <a:latin typeface="Arial" panose="020B0604020202020204" pitchFamily="34" charset="0"/>
               </a:rPr>
-              <a:t>Déploiement de la solution</a:t>
+              <a:t>Développement des modules : </a:t>
+            </a:r>
+            <a:r>
+              <a:rPr lang="fr-FR" altLang="fr-FR" sz="1200" dirty="0">
+                <a:solidFill>
+                  <a:schemeClr val="accent6">
+                    <a:lumMod val="50000"/>
+                  </a:schemeClr>
+                </a:solidFill>
+                <a:latin typeface="Arial" panose="020B0604020202020204" pitchFamily="34" charset="0"/>
+              </a:rPr>
+              <a:t>Utilisateur, Ressource,  Progression, etc.</a:t>
+            </a:r>
+          </a:p>
+          <a:p>
+            <a:pPr marL="628650" lvl="1" indent="-171450" eaLnBrk="0" fontAlgn="base" hangingPunct="0">
+              <a:spcBef>
+                <a:spcPct val="0"/>
+              </a:spcBef>
+              <a:spcAft>
+                <a:spcPct val="0"/>
+              </a:spcAft>
+              <a:buFont typeface="Arial" panose="020B0604020202020204" pitchFamily="34" charset="0"/>
+              <a:buChar char="•"/>
+            </a:pPr>
+            <a:endParaRPr lang="fr-FR" altLang="fr-FR" sz="1200" dirty="0">
+              <a:solidFill>
+                <a:schemeClr val="accent6">
+                  <a:lumMod val="50000"/>
+                </a:schemeClr>
+              </a:solidFill>
+              <a:latin typeface="Arial" panose="020B0604020202020204" pitchFamily="34" charset="0"/>
+            </a:endParaRPr>
+          </a:p>
+          <a:p>
+            <a:pPr marL="171450" indent="-171450" eaLnBrk="0" fontAlgn="base" hangingPunct="0">
+              <a:spcBef>
+                <a:spcPct val="0"/>
+              </a:spcBef>
+              <a:spcAft>
+                <a:spcPct val="0"/>
+              </a:spcAft>
+              <a:buFont typeface="Arial" panose="020B0604020202020204" pitchFamily="34" charset="0"/>
+              <a:buChar char="•"/>
+            </a:pPr>
+            <a:r>
+              <a:rPr lang="fr-FR" altLang="fr-FR" sz="1200" dirty="0">
+                <a:solidFill>
+                  <a:schemeClr val="accent6">
+                    <a:lumMod val="50000"/>
+                  </a:schemeClr>
+                </a:solidFill>
+                <a:latin typeface="Arial" panose="020B0604020202020204" pitchFamily="34" charset="0"/>
+              </a:rPr>
+              <a:t>Recette de l’application</a:t>
             </a:r>
           </a:p>
           <a:p>
@@ -5770,7 +5201,316 @@
                 </a:solidFill>
                 <a:latin typeface="Arial" panose="020B0604020202020204" pitchFamily="34" charset="0"/>
               </a:rPr>
-              <a:t>Correction et évolutions (mineures) après retour de la recette</a:t>
+              <a:t>Correction à la suite des retours de la recette</a:t>
+            </a:r>
+          </a:p>
+        </p:txBody>
+      </p:sp>
+      <p:sp>
+        <p:nvSpPr>
+          <p:cNvPr id="2" name="Flèche : droite 1">
+            <a:extLst>
+              <a:ext uri="{FF2B5EF4-FFF2-40B4-BE49-F238E27FC236}">
+                <a16:creationId xmlns:a16="http://schemas.microsoft.com/office/drawing/2014/main" id="{4BC5E67B-000E-FEC0-C5A8-3B527D849C80}"/>
+              </a:ext>
+            </a:extLst>
+          </p:cNvPr>
+          <p:cNvSpPr/>
+          <p:nvPr/>
+        </p:nvSpPr>
+        <p:spPr>
+          <a:xfrm>
+            <a:off x="3351948" y="908314"/>
+            <a:ext cx="1869548" cy="1441656"/>
+          </a:xfrm>
+          <a:prstGeom prst="rightArrow">
+            <a:avLst/>
+          </a:prstGeom>
+          <a:solidFill>
+            <a:schemeClr val="accent6">
+              <a:lumMod val="75000"/>
+            </a:schemeClr>
+          </a:solidFill>
+          <a:ln>
+            <a:noFill/>
+          </a:ln>
+        </p:spPr>
+        <p:style>
+          <a:lnRef idx="2">
+            <a:schemeClr val="accent1">
+              <a:shade val="15000"/>
+            </a:schemeClr>
+          </a:lnRef>
+          <a:fillRef idx="1">
+            <a:schemeClr val="accent1"/>
+          </a:fillRef>
+          <a:effectRef idx="0">
+            <a:schemeClr val="accent1"/>
+          </a:effectRef>
+          <a:fontRef idx="minor">
+            <a:schemeClr val="lt1"/>
+          </a:fontRef>
+        </p:style>
+        <p:txBody>
+          <a:bodyPr rtlCol="0" anchor="ctr"/>
+          <a:lstStyle/>
+          <a:p>
+            <a:pPr algn="ctr"/>
+            <a:r>
+              <a:rPr lang="fr-FR" sz="1400" dirty="0"/>
+              <a:t>Conception</a:t>
+            </a:r>
+            <a:endParaRPr lang="fr-FR" sz="2000" dirty="0"/>
+          </a:p>
+        </p:txBody>
+      </p:sp>
+      <p:sp>
+        <p:nvSpPr>
+          <p:cNvPr id="3" name="Flèche : droite 2">
+            <a:extLst>
+              <a:ext uri="{FF2B5EF4-FFF2-40B4-BE49-F238E27FC236}">
+                <a16:creationId xmlns:a16="http://schemas.microsoft.com/office/drawing/2014/main" id="{C0F5EDEA-446A-8040-447D-E8DE97395CEF}"/>
+              </a:ext>
+            </a:extLst>
+          </p:cNvPr>
+          <p:cNvSpPr/>
+          <p:nvPr/>
+        </p:nvSpPr>
+        <p:spPr>
+          <a:xfrm>
+            <a:off x="6369893" y="905302"/>
+            <a:ext cx="1869548" cy="1441656"/>
+          </a:xfrm>
+          <a:prstGeom prst="rightArrow">
+            <a:avLst/>
+          </a:prstGeom>
+          <a:solidFill>
+            <a:schemeClr val="accent6">
+              <a:lumMod val="75000"/>
+            </a:schemeClr>
+          </a:solidFill>
+          <a:ln>
+            <a:noFill/>
+          </a:ln>
+        </p:spPr>
+        <p:style>
+          <a:lnRef idx="2">
+            <a:schemeClr val="accent1">
+              <a:shade val="15000"/>
+            </a:schemeClr>
+          </a:lnRef>
+          <a:fillRef idx="1">
+            <a:schemeClr val="accent1"/>
+          </a:fillRef>
+          <a:effectRef idx="0">
+            <a:schemeClr val="accent1"/>
+          </a:effectRef>
+          <a:fontRef idx="minor">
+            <a:schemeClr val="lt1"/>
+          </a:fontRef>
+        </p:style>
+        <p:txBody>
+          <a:bodyPr rtlCol="0" anchor="ctr"/>
+          <a:lstStyle/>
+          <a:p>
+            <a:pPr algn="ctr"/>
+            <a:r>
+              <a:rPr lang="fr-FR" sz="1400" dirty="0"/>
+              <a:t>Développement et Recette</a:t>
+            </a:r>
+          </a:p>
+        </p:txBody>
+      </p:sp>
+      <p:sp>
+        <p:nvSpPr>
+          <p:cNvPr id="5" name="ZoneTexte 4">
+            <a:extLst>
+              <a:ext uri="{FF2B5EF4-FFF2-40B4-BE49-F238E27FC236}">
+                <a16:creationId xmlns:a16="http://schemas.microsoft.com/office/drawing/2014/main" id="{819F5AF0-CF8E-2BCD-2914-BC8E67781967}"/>
+              </a:ext>
+            </a:extLst>
+          </p:cNvPr>
+          <p:cNvSpPr txBox="1"/>
+          <p:nvPr/>
+        </p:nvSpPr>
+        <p:spPr>
+          <a:xfrm>
+            <a:off x="8722752" y="2707352"/>
+            <a:ext cx="2704587" cy="461665"/>
+          </a:xfrm>
+          <a:prstGeom prst="rect">
+            <a:avLst/>
+          </a:prstGeom>
+          <a:noFill/>
+        </p:spPr>
+        <p:txBody>
+          <a:bodyPr wrap="none" rtlCol="0">
+            <a:spAutoFit/>
+          </a:bodyPr>
+          <a:lstStyle/>
+          <a:p>
+            <a:r>
+              <a:rPr lang="fr-FR" sz="2400" dirty="0">
+                <a:solidFill>
+                  <a:schemeClr val="accent6">
+                    <a:lumMod val="50000"/>
+                  </a:schemeClr>
+                </a:solidFill>
+              </a:rPr>
+              <a:t>Semaine 42 à 47….</a:t>
+            </a:r>
+            <a:endParaRPr lang="fr-FR" dirty="0">
+              <a:solidFill>
+                <a:schemeClr val="accent6">
+                  <a:lumMod val="50000"/>
+                </a:schemeClr>
+              </a:solidFill>
+            </a:endParaRPr>
+          </a:p>
+        </p:txBody>
+      </p:sp>
+      <p:sp>
+        <p:nvSpPr>
+          <p:cNvPr id="6" name="Flèche : droite 5">
+            <a:extLst>
+              <a:ext uri="{FF2B5EF4-FFF2-40B4-BE49-F238E27FC236}">
+                <a16:creationId xmlns:a16="http://schemas.microsoft.com/office/drawing/2014/main" id="{57721A52-47AB-A8F5-4781-AB91DDF03B45}"/>
+              </a:ext>
+            </a:extLst>
+          </p:cNvPr>
+          <p:cNvSpPr/>
+          <p:nvPr/>
+        </p:nvSpPr>
+        <p:spPr>
+          <a:xfrm>
+            <a:off x="9335262" y="905302"/>
+            <a:ext cx="1869548" cy="1441656"/>
+          </a:xfrm>
+          <a:prstGeom prst="rightArrow">
+            <a:avLst/>
+          </a:prstGeom>
+          <a:solidFill>
+            <a:schemeClr val="accent6">
+              <a:lumMod val="75000"/>
+            </a:schemeClr>
+          </a:solidFill>
+          <a:ln>
+            <a:noFill/>
+          </a:ln>
+        </p:spPr>
+        <p:style>
+          <a:lnRef idx="2">
+            <a:schemeClr val="accent1">
+              <a:shade val="15000"/>
+            </a:schemeClr>
+          </a:lnRef>
+          <a:fillRef idx="1">
+            <a:schemeClr val="accent1"/>
+          </a:fillRef>
+          <a:effectRef idx="0">
+            <a:schemeClr val="accent1"/>
+          </a:effectRef>
+          <a:fontRef idx="minor">
+            <a:schemeClr val="lt1"/>
+          </a:fontRef>
+        </p:style>
+        <p:txBody>
+          <a:bodyPr rtlCol="0" anchor="ctr"/>
+          <a:lstStyle/>
+          <a:p>
+            <a:pPr algn="ctr"/>
+            <a:r>
+              <a:rPr lang="fr-FR" sz="1400" dirty="0"/>
+              <a:t>Déploiement et maintenance</a:t>
+            </a:r>
+          </a:p>
+        </p:txBody>
+      </p:sp>
+      <p:sp>
+        <p:nvSpPr>
+          <p:cNvPr id="9" name="Rectangle 5">
+            <a:extLst>
+              <a:ext uri="{FF2B5EF4-FFF2-40B4-BE49-F238E27FC236}">
+                <a16:creationId xmlns:a16="http://schemas.microsoft.com/office/drawing/2014/main" id="{5FFB7825-10E3-8191-E19B-88241B5138CA}"/>
+              </a:ext>
+            </a:extLst>
+          </p:cNvPr>
+          <p:cNvSpPr>
+            <a:spLocks noChangeArrowheads="1"/>
+          </p:cNvSpPr>
+          <p:nvPr/>
+        </p:nvSpPr>
+        <p:spPr bwMode="auto">
+          <a:xfrm>
+            <a:off x="8927578" y="3701654"/>
+            <a:ext cx="2089823" cy="1015663"/>
+          </a:xfrm>
+          <a:prstGeom prst="rect">
+            <a:avLst/>
+          </a:prstGeom>
+          <a:noFill/>
+          <a:ln>
+            <a:noFill/>
+          </a:ln>
+          <a:effectLst/>
+          <a:extLst>
+            <a:ext uri="{909E8E84-426E-40DD-AFC4-6F175D3DCCD1}">
+              <a14:hiddenFill xmlns:a14="http://schemas.microsoft.com/office/drawing/2010/main">
+                <a:solidFill>
+                  <a:schemeClr val="accent1"/>
+                </a:solidFill>
+              </a14:hiddenFill>
+            </a:ext>
+            <a:ext uri="{91240B29-F687-4F45-9708-019B960494DF}">
+              <a14:hiddenLine xmlns:a14="http://schemas.microsoft.com/office/drawing/2010/main" w="9525">
+                <a:solidFill>
+                  <a:schemeClr val="tx1"/>
+                </a:solidFill>
+                <a:miter lim="800000"/>
+                <a:headEnd/>
+                <a:tailEnd/>
+              </a14:hiddenLine>
+            </a:ext>
+            <a:ext uri="{AF507438-7753-43E0-B8FC-AC1667EBCBE1}">
+              <a14:hiddenEffects xmlns:a14="http://schemas.microsoft.com/office/drawing/2010/main">
+                <a:effectLst>
+                  <a:outerShdw dist="35921" dir="2700000" algn="ctr" rotWithShape="0">
+                    <a:schemeClr val="bg2"/>
+                  </a:outerShdw>
+                </a:effectLst>
+              </a14:hiddenEffects>
+            </a:ext>
+          </a:extLst>
+        </p:spPr>
+        <p:txBody>
+          <a:bodyPr vert="horz" wrap="square" lIns="91440" tIns="45720" rIns="91440" bIns="45720" numCol="1" anchor="ctr" anchorCtr="0" compatLnSpc="1">
+            <a:prstTxWarp prst="textNoShape">
+              <a:avLst/>
+            </a:prstTxWarp>
+            <a:spAutoFit/>
+          </a:bodyPr>
+          <a:lstStyle/>
+          <a:p>
+            <a:pPr marL="171450" indent="-171450" eaLnBrk="0" fontAlgn="base" hangingPunct="0">
+              <a:spcBef>
+                <a:spcPct val="0"/>
+              </a:spcBef>
+              <a:spcAft>
+                <a:spcPct val="0"/>
+              </a:spcAft>
+              <a:buFont typeface="Arial" panose="020B0604020202020204" pitchFamily="34" charset="0"/>
+              <a:buChar char="•"/>
+            </a:pPr>
+            <a:r>
+              <a:rPr lang="fr-FR" sz="1200" dirty="0">
+                <a:solidFill>
+                  <a:schemeClr val="accent6">
+                    <a:lumMod val="50000"/>
+                  </a:schemeClr>
+                </a:solidFill>
+                <a:latin typeface="Arial" panose="020B0604020202020204" pitchFamily="34" charset="0"/>
+              </a:rPr>
+              <a:t>Déploiement de la solution</a:t>
             </a:r>
           </a:p>
           <a:p>
@@ -5846,7 +5586,7 @@
         </p:blipFill>
         <p:spPr>
           <a:xfrm>
-            <a:off x="8929165" y="5104004"/>
+            <a:off x="9130200" y="5188309"/>
             <a:ext cx="646331" cy="646331"/>
           </a:xfrm>
           <a:prstGeom prst="rect">
@@ -5868,7 +5608,7 @@
         </p:nvSpPr>
         <p:spPr>
           <a:xfrm>
-            <a:off x="9575496" y="5104004"/>
+            <a:off x="9776531" y="5188309"/>
             <a:ext cx="1945084" cy="584775"/>
           </a:xfrm>
           <a:prstGeom prst="rect">
@@ -5935,8 +5675,44 @@
         </p:blipFill>
         <p:spPr>
           <a:xfrm>
-            <a:off x="11427339" y="5147991"/>
-            <a:ext cx="358730" cy="358730"/>
+            <a:off x="11605481" y="5491908"/>
+            <a:ext cx="232268" cy="232268"/>
+          </a:xfrm>
+          <a:prstGeom prst="rect">
+            <a:avLst/>
+          </a:prstGeom>
+        </p:spPr>
+      </p:pic>
+      <p:pic>
+        <p:nvPicPr>
+          <p:cNvPr id="8" name="Graphique 7" descr="Ajouter avec un remplissage uni">
+            <a:extLst>
+              <a:ext uri="{FF2B5EF4-FFF2-40B4-BE49-F238E27FC236}">
+                <a16:creationId xmlns:a16="http://schemas.microsoft.com/office/drawing/2014/main" id="{C697D61F-5D99-4E40-F733-FD31D2C36EF9}"/>
+              </a:ext>
+            </a:extLst>
+          </p:cNvPr>
+          <p:cNvPicPr>
+            <a:picLocks noChangeAspect="1"/>
+          </p:cNvPicPr>
+          <p:nvPr/>
+        </p:nvPicPr>
+        <p:blipFill>
+          <a:blip r:embed="rId7">
+            <a:extLst>
+              <a:ext uri="{96DAC541-7B7A-43D3-8B79-37D633B846F1}">
+                <asvg:svgBlip xmlns:asvg="http://schemas.microsoft.com/office/drawing/2016/SVG/main" r:embed="rId8"/>
+              </a:ext>
+            </a:extLst>
+          </a:blip>
+          <a:stretch>
+            <a:fillRect/>
+          </a:stretch>
+        </p:blipFill>
+        <p:spPr>
+          <a:xfrm>
+            <a:off x="2554542" y="1372162"/>
+            <a:ext cx="507935" cy="507935"/>
           </a:xfrm>
           <a:prstGeom prst="rect">
             <a:avLst/>
